--- a/figures/PCA12.pptx
+++ b/figures/PCA12.pptx
@@ -5,7 +5,7 @@
     <p:sldMasterId id="2147483648" r:id="rId1"/>
   </p:sldMasterIdLst>
   <p:sldIdLst>
-    <p:sldId id="433265550" r:id="rId6"/>
+    <p:sldId id="582514744" r:id="rId6"/>
   </p:sldIdLst>
   <p:sldSz cx="12192000" cy="6858000"/>
   <p:notesSz cx="6858000" cy="9144000"/>

--- a/figures/PCA12.pptx
+++ b/figures/PCA12.pptx
@@ -1,11 +1,11 @@
 
 <file path=ppt/presentation.xml><?xml version="1.0" encoding="utf-8"?>
-<p:presentation xmlns:a="http://schemas.openxmlformats.org/drawingml/2006/main" xmlns:r="http://schemas.openxmlformats.org/officeDocument/2006/relationships" xmlns:p="http://schemas.openxmlformats.org/presentationml/2006/main" xmlns:mc="http://schemas.openxmlformats.org/markup-compatibility/2006" xmlns:c="http://schemas.openxmlformats.org/drawingml/2006/chart" xmlns:ns6="http://schemas.openxmlformats.org/drawingml/2006/chartDrawing" xmlns:dgm="http://schemas.openxmlformats.org/drawingml/2006/diagram" xmlns:pic="http://schemas.openxmlformats.org/drawingml/2006/picture" xmlns:wp="http://schemas.openxmlformats.org/drawingml/2006/wordprocessingDrawing" xmlns:xdr="http://schemas.openxmlformats.org/drawingml/2006/spreadsheetDrawing" xmlns:ns11="http://schemas.openxmlformats.org/drawingml/2006/compatibility" xmlns:ns12="http://schemas.openxmlformats.org/drawingml/2006/lockedCanvas" saveSubsetFonts="true">
+<p:presentation xmlns:p="http://schemas.openxmlformats.org/presentationml/2006/main" xmlns:r="http://schemas.openxmlformats.org/officeDocument/2006/relationships" xmlns:a="http://schemas.openxmlformats.org/drawingml/2006/main" xmlns:mc="http://schemas.openxmlformats.org/markup-compatibility/2006" xmlns:c="http://schemas.openxmlformats.org/drawingml/2006/chart" xmlns:ns6="http://schemas.openxmlformats.org/drawingml/2006/chartDrawing" xmlns:dgm="http://schemas.openxmlformats.org/drawingml/2006/diagram" xmlns:pic="http://schemas.openxmlformats.org/drawingml/2006/picture" xmlns:wp="http://schemas.openxmlformats.org/drawingml/2006/wordprocessingDrawing" xmlns:xdr="http://schemas.openxmlformats.org/drawingml/2006/spreadsheetDrawing" xmlns:ns11="http://schemas.openxmlformats.org/drawingml/2006/compatibility" xmlns:ns12="http://schemas.openxmlformats.org/drawingml/2006/lockedCanvas" saveSubsetFonts="true">
   <p:sldMasterIdLst>
     <p:sldMasterId id="2147483648" r:id="rId1"/>
   </p:sldMasterIdLst>
   <p:sldIdLst>
-    <p:sldId id="582514744" r:id="rId6"/>
+    <p:sldId id="804071429" r:id="rId6"/>
   </p:sldIdLst>
   <p:sldSz cx="12192000" cy="6858000"/>
   <p:notesSz cx="6858000" cy="9144000"/>
@@ -113,7 +113,7 @@
 </file>
 
 <file path=ppt/slideLayouts/slideLayout1.xml><?xml version="1.0" encoding="utf-8"?>
-<p:sldLayout xmlns:a="http://schemas.openxmlformats.org/drawingml/2006/main" xmlns:r="http://schemas.openxmlformats.org/officeDocument/2006/relationships" xmlns:p="http://schemas.openxmlformats.org/presentationml/2006/main" xmlns:mc="http://schemas.openxmlformats.org/markup-compatibility/2006" xmlns:c="http://schemas.openxmlformats.org/drawingml/2006/chart" xmlns:ns6="http://schemas.openxmlformats.org/drawingml/2006/chartDrawing" xmlns:dgm="http://schemas.openxmlformats.org/drawingml/2006/diagram" xmlns:pic="http://schemas.openxmlformats.org/drawingml/2006/picture" xmlns:wp="http://schemas.openxmlformats.org/drawingml/2006/wordprocessingDrawing" xmlns:xdr="http://schemas.openxmlformats.org/drawingml/2006/spreadsheetDrawing" xmlns:ns11="http://schemas.openxmlformats.org/drawingml/2006/compatibility" xmlns:ns12="http://schemas.openxmlformats.org/drawingml/2006/lockedCanvas" type="title" preserve="true">
+<p:sldLayout xmlns:p="http://schemas.openxmlformats.org/presentationml/2006/main" xmlns:r="http://schemas.openxmlformats.org/officeDocument/2006/relationships" xmlns:a="http://schemas.openxmlformats.org/drawingml/2006/main" xmlns:mc="http://schemas.openxmlformats.org/markup-compatibility/2006" xmlns:c="http://schemas.openxmlformats.org/drawingml/2006/chart" xmlns:ns6="http://schemas.openxmlformats.org/drawingml/2006/chartDrawing" xmlns:dgm="http://schemas.openxmlformats.org/drawingml/2006/diagram" xmlns:pic="http://schemas.openxmlformats.org/drawingml/2006/picture" xmlns:wp="http://schemas.openxmlformats.org/drawingml/2006/wordprocessingDrawing" xmlns:xdr="http://schemas.openxmlformats.org/drawingml/2006/spreadsheetDrawing" xmlns:ns11="http://schemas.openxmlformats.org/drawingml/2006/compatibility" xmlns:ns12="http://schemas.openxmlformats.org/drawingml/2006/lockedCanvas" type="title" preserve="true">
   <p:cSld name="Title Slide">
     <p:spTree>
       <p:nvGrpSpPr>
@@ -312,7 +312,7 @@
 </file>
 
 <file path=ppt/slideLayouts/slideLayout10.xml><?xml version="1.0" encoding="utf-8"?>
-<p:sldLayout xmlns:a="http://schemas.openxmlformats.org/drawingml/2006/main" xmlns:r="http://schemas.openxmlformats.org/officeDocument/2006/relationships" xmlns:p="http://schemas.openxmlformats.org/presentationml/2006/main" xmlns:mc="http://schemas.openxmlformats.org/markup-compatibility/2006" xmlns:c="http://schemas.openxmlformats.org/drawingml/2006/chart" xmlns:ns6="http://schemas.openxmlformats.org/drawingml/2006/chartDrawing" xmlns:dgm="http://schemas.openxmlformats.org/drawingml/2006/diagram" xmlns:pic="http://schemas.openxmlformats.org/drawingml/2006/picture" xmlns:wp="http://schemas.openxmlformats.org/drawingml/2006/wordprocessingDrawing" xmlns:xdr="http://schemas.openxmlformats.org/drawingml/2006/spreadsheetDrawing" xmlns:ns11="http://schemas.openxmlformats.org/drawingml/2006/compatibility" xmlns:ns12="http://schemas.openxmlformats.org/drawingml/2006/lockedCanvas" type="vertTitleAndTx" preserve="true">
+<p:sldLayout xmlns:p="http://schemas.openxmlformats.org/presentationml/2006/main" xmlns:r="http://schemas.openxmlformats.org/officeDocument/2006/relationships" xmlns:a="http://schemas.openxmlformats.org/drawingml/2006/main" xmlns:mc="http://schemas.openxmlformats.org/markup-compatibility/2006" xmlns:c="http://schemas.openxmlformats.org/drawingml/2006/chart" xmlns:ns6="http://schemas.openxmlformats.org/drawingml/2006/chartDrawing" xmlns:dgm="http://schemas.openxmlformats.org/drawingml/2006/diagram" xmlns:pic="http://schemas.openxmlformats.org/drawingml/2006/picture" xmlns:wp="http://schemas.openxmlformats.org/drawingml/2006/wordprocessingDrawing" xmlns:xdr="http://schemas.openxmlformats.org/drawingml/2006/spreadsheetDrawing" xmlns:ns11="http://schemas.openxmlformats.org/drawingml/2006/compatibility" xmlns:ns12="http://schemas.openxmlformats.org/drawingml/2006/lockedCanvas" type="vertTitleAndTx" preserve="true">
   <p:cSld name="Vertical Title and Text">
     <p:spTree>
       <p:nvGrpSpPr>
@@ -499,7 +499,7 @@
 </file>
 
 <file path=ppt/slideLayouts/slideLayout2.xml><?xml version="1.0" encoding="utf-8"?>
-<p:sldLayout xmlns:a="http://schemas.openxmlformats.org/drawingml/2006/main" xmlns:r="http://schemas.openxmlformats.org/officeDocument/2006/relationships" xmlns:p="http://schemas.openxmlformats.org/presentationml/2006/main" xmlns:mc="http://schemas.openxmlformats.org/markup-compatibility/2006" xmlns:c="http://schemas.openxmlformats.org/drawingml/2006/chart" xmlns:ns6="http://schemas.openxmlformats.org/drawingml/2006/chartDrawing" xmlns:dgm="http://schemas.openxmlformats.org/drawingml/2006/diagram" xmlns:pic="http://schemas.openxmlformats.org/drawingml/2006/picture" xmlns:wp="http://schemas.openxmlformats.org/drawingml/2006/wordprocessingDrawing" xmlns:xdr="http://schemas.openxmlformats.org/drawingml/2006/spreadsheetDrawing" xmlns:ns11="http://schemas.openxmlformats.org/drawingml/2006/compatibility" xmlns:ns12="http://schemas.openxmlformats.org/drawingml/2006/lockedCanvas" type="obj" preserve="true">
+<p:sldLayout xmlns:p="http://schemas.openxmlformats.org/presentationml/2006/main" xmlns:r="http://schemas.openxmlformats.org/officeDocument/2006/relationships" xmlns:a="http://schemas.openxmlformats.org/drawingml/2006/main" xmlns:mc="http://schemas.openxmlformats.org/markup-compatibility/2006" xmlns:c="http://schemas.openxmlformats.org/drawingml/2006/chart" xmlns:ns6="http://schemas.openxmlformats.org/drawingml/2006/chartDrawing" xmlns:dgm="http://schemas.openxmlformats.org/drawingml/2006/diagram" xmlns:pic="http://schemas.openxmlformats.org/drawingml/2006/picture" xmlns:wp="http://schemas.openxmlformats.org/drawingml/2006/wordprocessingDrawing" xmlns:xdr="http://schemas.openxmlformats.org/drawingml/2006/spreadsheetDrawing" xmlns:ns11="http://schemas.openxmlformats.org/drawingml/2006/compatibility" xmlns:ns12="http://schemas.openxmlformats.org/drawingml/2006/lockedCanvas" type="obj" preserve="true">
   <p:cSld name="Title and Content">
     <p:spTree>
       <p:nvGrpSpPr>
@@ -681,7 +681,7 @@
 </file>
 
 <file path=ppt/slideLayouts/slideLayout3.xml><?xml version="1.0" encoding="utf-8"?>
-<p:sldLayout xmlns:a="http://schemas.openxmlformats.org/drawingml/2006/main" xmlns:r="http://schemas.openxmlformats.org/officeDocument/2006/relationships" xmlns:p="http://schemas.openxmlformats.org/presentationml/2006/main" xmlns:mc="http://schemas.openxmlformats.org/markup-compatibility/2006" xmlns:c="http://schemas.openxmlformats.org/drawingml/2006/chart" xmlns:ns6="http://schemas.openxmlformats.org/drawingml/2006/chartDrawing" xmlns:dgm="http://schemas.openxmlformats.org/drawingml/2006/diagram" xmlns:pic="http://schemas.openxmlformats.org/drawingml/2006/picture" xmlns:wp="http://schemas.openxmlformats.org/drawingml/2006/wordprocessingDrawing" xmlns:xdr="http://schemas.openxmlformats.org/drawingml/2006/spreadsheetDrawing" xmlns:ns11="http://schemas.openxmlformats.org/drawingml/2006/compatibility" xmlns:ns12="http://schemas.openxmlformats.org/drawingml/2006/lockedCanvas" type="secHead" preserve="true">
+<p:sldLayout xmlns:p="http://schemas.openxmlformats.org/presentationml/2006/main" xmlns:r="http://schemas.openxmlformats.org/officeDocument/2006/relationships" xmlns:a="http://schemas.openxmlformats.org/drawingml/2006/main" xmlns:mc="http://schemas.openxmlformats.org/markup-compatibility/2006" xmlns:c="http://schemas.openxmlformats.org/drawingml/2006/chart" xmlns:ns6="http://schemas.openxmlformats.org/drawingml/2006/chartDrawing" xmlns:dgm="http://schemas.openxmlformats.org/drawingml/2006/diagram" xmlns:pic="http://schemas.openxmlformats.org/drawingml/2006/picture" xmlns:wp="http://schemas.openxmlformats.org/drawingml/2006/wordprocessingDrawing" xmlns:xdr="http://schemas.openxmlformats.org/drawingml/2006/spreadsheetDrawing" xmlns:ns11="http://schemas.openxmlformats.org/drawingml/2006/compatibility" xmlns:ns12="http://schemas.openxmlformats.org/drawingml/2006/lockedCanvas" type="secHead" preserve="true">
   <p:cSld name="Section Header">
     <p:spTree>
       <p:nvGrpSpPr>
@@ -934,7 +934,7 @@
 </file>
 
 <file path=ppt/slideLayouts/slideLayout4.xml><?xml version="1.0" encoding="utf-8"?>
-<p:sldLayout xmlns:a="http://schemas.openxmlformats.org/drawingml/2006/main" xmlns:r="http://schemas.openxmlformats.org/officeDocument/2006/relationships" xmlns:p="http://schemas.openxmlformats.org/presentationml/2006/main" xmlns:mc="http://schemas.openxmlformats.org/markup-compatibility/2006" xmlns:c="http://schemas.openxmlformats.org/drawingml/2006/chart" xmlns:ns6="http://schemas.openxmlformats.org/drawingml/2006/chartDrawing" xmlns:dgm="http://schemas.openxmlformats.org/drawingml/2006/diagram" xmlns:pic="http://schemas.openxmlformats.org/drawingml/2006/picture" xmlns:wp="http://schemas.openxmlformats.org/drawingml/2006/wordprocessingDrawing" xmlns:xdr="http://schemas.openxmlformats.org/drawingml/2006/spreadsheetDrawing" xmlns:ns11="http://schemas.openxmlformats.org/drawingml/2006/compatibility" xmlns:ns12="http://schemas.openxmlformats.org/drawingml/2006/lockedCanvas" type="twoObj" preserve="true">
+<p:sldLayout xmlns:p="http://schemas.openxmlformats.org/presentationml/2006/main" xmlns:r="http://schemas.openxmlformats.org/officeDocument/2006/relationships" xmlns:a="http://schemas.openxmlformats.org/drawingml/2006/main" xmlns:mc="http://schemas.openxmlformats.org/markup-compatibility/2006" xmlns:c="http://schemas.openxmlformats.org/drawingml/2006/chart" xmlns:ns6="http://schemas.openxmlformats.org/drawingml/2006/chartDrawing" xmlns:dgm="http://schemas.openxmlformats.org/drawingml/2006/diagram" xmlns:pic="http://schemas.openxmlformats.org/drawingml/2006/picture" xmlns:wp="http://schemas.openxmlformats.org/drawingml/2006/wordprocessingDrawing" xmlns:xdr="http://schemas.openxmlformats.org/drawingml/2006/spreadsheetDrawing" xmlns:ns11="http://schemas.openxmlformats.org/drawingml/2006/compatibility" xmlns:ns12="http://schemas.openxmlformats.org/drawingml/2006/lockedCanvas" type="twoObj" preserve="true">
   <p:cSld name="Two Content">
     <p:spTree>
       <p:nvGrpSpPr>
@@ -1173,7 +1173,7 @@
 </file>
 
 <file path=ppt/slideLayouts/slideLayout5.xml><?xml version="1.0" encoding="utf-8"?>
-<p:sldLayout xmlns:a="http://schemas.openxmlformats.org/drawingml/2006/main" xmlns:r="http://schemas.openxmlformats.org/officeDocument/2006/relationships" xmlns:p="http://schemas.openxmlformats.org/presentationml/2006/main" xmlns:mc="http://schemas.openxmlformats.org/markup-compatibility/2006" xmlns:c="http://schemas.openxmlformats.org/drawingml/2006/chart" xmlns:ns6="http://schemas.openxmlformats.org/drawingml/2006/chartDrawing" xmlns:dgm="http://schemas.openxmlformats.org/drawingml/2006/diagram" xmlns:pic="http://schemas.openxmlformats.org/drawingml/2006/picture" xmlns:wp="http://schemas.openxmlformats.org/drawingml/2006/wordprocessingDrawing" xmlns:xdr="http://schemas.openxmlformats.org/drawingml/2006/spreadsheetDrawing" xmlns:ns11="http://schemas.openxmlformats.org/drawingml/2006/compatibility" xmlns:ns12="http://schemas.openxmlformats.org/drawingml/2006/lockedCanvas" type="twoTxTwoObj" preserve="true">
+<p:sldLayout xmlns:p="http://schemas.openxmlformats.org/presentationml/2006/main" xmlns:r="http://schemas.openxmlformats.org/officeDocument/2006/relationships" xmlns:a="http://schemas.openxmlformats.org/drawingml/2006/main" xmlns:mc="http://schemas.openxmlformats.org/markup-compatibility/2006" xmlns:c="http://schemas.openxmlformats.org/drawingml/2006/chart" xmlns:ns6="http://schemas.openxmlformats.org/drawingml/2006/chartDrawing" xmlns:dgm="http://schemas.openxmlformats.org/drawingml/2006/diagram" xmlns:pic="http://schemas.openxmlformats.org/drawingml/2006/picture" xmlns:wp="http://schemas.openxmlformats.org/drawingml/2006/wordprocessingDrawing" xmlns:xdr="http://schemas.openxmlformats.org/drawingml/2006/spreadsheetDrawing" xmlns:ns11="http://schemas.openxmlformats.org/drawingml/2006/compatibility" xmlns:ns12="http://schemas.openxmlformats.org/drawingml/2006/lockedCanvas" type="twoTxTwoObj" preserve="true">
   <p:cSld name="Comparison">
     <p:spTree>
       <p:nvGrpSpPr>
@@ -1528,7 +1528,7 @@
 </file>
 
 <file path=ppt/slideLayouts/slideLayout6.xml><?xml version="1.0" encoding="utf-8"?>
-<p:sldLayout xmlns:a="http://schemas.openxmlformats.org/drawingml/2006/main" xmlns:r="http://schemas.openxmlformats.org/officeDocument/2006/relationships" xmlns:p="http://schemas.openxmlformats.org/presentationml/2006/main" xmlns:mc="http://schemas.openxmlformats.org/markup-compatibility/2006" xmlns:c="http://schemas.openxmlformats.org/drawingml/2006/chart" xmlns:ns6="http://schemas.openxmlformats.org/drawingml/2006/chartDrawing" xmlns:dgm="http://schemas.openxmlformats.org/drawingml/2006/diagram" xmlns:pic="http://schemas.openxmlformats.org/drawingml/2006/picture" xmlns:wp="http://schemas.openxmlformats.org/drawingml/2006/wordprocessingDrawing" xmlns:xdr="http://schemas.openxmlformats.org/drawingml/2006/spreadsheetDrawing" xmlns:ns11="http://schemas.openxmlformats.org/drawingml/2006/compatibility" xmlns:ns12="http://schemas.openxmlformats.org/drawingml/2006/lockedCanvas" type="titleOnly" preserve="true">
+<p:sldLayout xmlns:p="http://schemas.openxmlformats.org/presentationml/2006/main" xmlns:r="http://schemas.openxmlformats.org/officeDocument/2006/relationships" xmlns:a="http://schemas.openxmlformats.org/drawingml/2006/main" xmlns:mc="http://schemas.openxmlformats.org/markup-compatibility/2006" xmlns:c="http://schemas.openxmlformats.org/drawingml/2006/chart" xmlns:ns6="http://schemas.openxmlformats.org/drawingml/2006/chartDrawing" xmlns:dgm="http://schemas.openxmlformats.org/drawingml/2006/diagram" xmlns:pic="http://schemas.openxmlformats.org/drawingml/2006/picture" xmlns:wp="http://schemas.openxmlformats.org/drawingml/2006/wordprocessingDrawing" xmlns:xdr="http://schemas.openxmlformats.org/drawingml/2006/spreadsheetDrawing" xmlns:ns11="http://schemas.openxmlformats.org/drawingml/2006/compatibility" xmlns:ns12="http://schemas.openxmlformats.org/drawingml/2006/lockedCanvas" type="titleOnly" preserve="true">
   <p:cSld name="Title Only">
     <p:spTree>
       <p:nvGrpSpPr>
@@ -1653,7 +1653,7 @@
 </file>
 
 <file path=ppt/slideLayouts/slideLayout7.xml><?xml version="1.0" encoding="utf-8"?>
-<p:sldLayout xmlns:a="http://schemas.openxmlformats.org/drawingml/2006/main" xmlns:r="http://schemas.openxmlformats.org/officeDocument/2006/relationships" xmlns:p="http://schemas.openxmlformats.org/presentationml/2006/main" xmlns:mc="http://schemas.openxmlformats.org/markup-compatibility/2006" xmlns:c="http://schemas.openxmlformats.org/drawingml/2006/chart" xmlns:ns6="http://schemas.openxmlformats.org/drawingml/2006/chartDrawing" xmlns:dgm="http://schemas.openxmlformats.org/drawingml/2006/diagram" xmlns:pic="http://schemas.openxmlformats.org/drawingml/2006/picture" xmlns:wp="http://schemas.openxmlformats.org/drawingml/2006/wordprocessingDrawing" xmlns:xdr="http://schemas.openxmlformats.org/drawingml/2006/spreadsheetDrawing" xmlns:ns11="http://schemas.openxmlformats.org/drawingml/2006/compatibility" xmlns:ns12="http://schemas.openxmlformats.org/drawingml/2006/lockedCanvas" type="blank" preserve="true">
+<p:sldLayout xmlns:p="http://schemas.openxmlformats.org/presentationml/2006/main" xmlns:r="http://schemas.openxmlformats.org/officeDocument/2006/relationships" xmlns:a="http://schemas.openxmlformats.org/drawingml/2006/main" xmlns:mc="http://schemas.openxmlformats.org/markup-compatibility/2006" xmlns:c="http://schemas.openxmlformats.org/drawingml/2006/chart" xmlns:ns6="http://schemas.openxmlformats.org/drawingml/2006/chartDrawing" xmlns:dgm="http://schemas.openxmlformats.org/drawingml/2006/diagram" xmlns:pic="http://schemas.openxmlformats.org/drawingml/2006/picture" xmlns:wp="http://schemas.openxmlformats.org/drawingml/2006/wordprocessingDrawing" xmlns:xdr="http://schemas.openxmlformats.org/drawingml/2006/spreadsheetDrawing" xmlns:ns11="http://schemas.openxmlformats.org/drawingml/2006/compatibility" xmlns:ns12="http://schemas.openxmlformats.org/drawingml/2006/lockedCanvas" type="blank" preserve="true">
   <p:cSld name="Blank">
     <p:spTree>
       <p:nvGrpSpPr>
@@ -1755,7 +1755,7 @@
 </file>
 
 <file path=ppt/slideLayouts/slideLayout8.xml><?xml version="1.0" encoding="utf-8"?>
-<p:sldLayout xmlns:a="http://schemas.openxmlformats.org/drawingml/2006/main" xmlns:r="http://schemas.openxmlformats.org/officeDocument/2006/relationships" xmlns:p="http://schemas.openxmlformats.org/presentationml/2006/main" xmlns:mc="http://schemas.openxmlformats.org/markup-compatibility/2006" xmlns:c="http://schemas.openxmlformats.org/drawingml/2006/chart" xmlns:ns6="http://schemas.openxmlformats.org/drawingml/2006/chartDrawing" xmlns:dgm="http://schemas.openxmlformats.org/drawingml/2006/diagram" xmlns:pic="http://schemas.openxmlformats.org/drawingml/2006/picture" xmlns:wp="http://schemas.openxmlformats.org/drawingml/2006/wordprocessingDrawing" xmlns:xdr="http://schemas.openxmlformats.org/drawingml/2006/spreadsheetDrawing" xmlns:ns11="http://schemas.openxmlformats.org/drawingml/2006/compatibility" xmlns:ns12="http://schemas.openxmlformats.org/drawingml/2006/lockedCanvas" type="objTx" preserve="true">
+<p:sldLayout xmlns:p="http://schemas.openxmlformats.org/presentationml/2006/main" xmlns:r="http://schemas.openxmlformats.org/officeDocument/2006/relationships" xmlns:a="http://schemas.openxmlformats.org/drawingml/2006/main" xmlns:mc="http://schemas.openxmlformats.org/markup-compatibility/2006" xmlns:c="http://schemas.openxmlformats.org/drawingml/2006/chart" xmlns:ns6="http://schemas.openxmlformats.org/drawingml/2006/chartDrawing" xmlns:dgm="http://schemas.openxmlformats.org/drawingml/2006/diagram" xmlns:pic="http://schemas.openxmlformats.org/drawingml/2006/picture" xmlns:wp="http://schemas.openxmlformats.org/drawingml/2006/wordprocessingDrawing" xmlns:xdr="http://schemas.openxmlformats.org/drawingml/2006/spreadsheetDrawing" xmlns:ns11="http://schemas.openxmlformats.org/drawingml/2006/compatibility" xmlns:ns12="http://schemas.openxmlformats.org/drawingml/2006/lockedCanvas" type="objTx" preserve="true">
   <p:cSld name="Content with Caption">
     <p:spTree>
       <p:nvGrpSpPr>
@@ -2039,7 +2039,7 @@
 </file>
 
 <file path=ppt/slideLayouts/slideLayout9.xml><?xml version="1.0" encoding="utf-8"?>
-<p:sldLayout xmlns:a="http://schemas.openxmlformats.org/drawingml/2006/main" xmlns:r="http://schemas.openxmlformats.org/officeDocument/2006/relationships" xmlns:p="http://schemas.openxmlformats.org/presentationml/2006/main" xmlns:mc="http://schemas.openxmlformats.org/markup-compatibility/2006" xmlns:c="http://schemas.openxmlformats.org/drawingml/2006/chart" xmlns:ns6="http://schemas.openxmlformats.org/drawingml/2006/chartDrawing" xmlns:dgm="http://schemas.openxmlformats.org/drawingml/2006/diagram" xmlns:pic="http://schemas.openxmlformats.org/drawingml/2006/picture" xmlns:wp="http://schemas.openxmlformats.org/drawingml/2006/wordprocessingDrawing" xmlns:xdr="http://schemas.openxmlformats.org/drawingml/2006/spreadsheetDrawing" xmlns:ns11="http://schemas.openxmlformats.org/drawingml/2006/compatibility" xmlns:ns12="http://schemas.openxmlformats.org/drawingml/2006/lockedCanvas" type="vertTx" preserve="true">
+<p:sldLayout xmlns:p="http://schemas.openxmlformats.org/presentationml/2006/main" xmlns:r="http://schemas.openxmlformats.org/officeDocument/2006/relationships" xmlns:a="http://schemas.openxmlformats.org/drawingml/2006/main" xmlns:mc="http://schemas.openxmlformats.org/markup-compatibility/2006" xmlns:c="http://schemas.openxmlformats.org/drawingml/2006/chart" xmlns:ns6="http://schemas.openxmlformats.org/drawingml/2006/chartDrawing" xmlns:dgm="http://schemas.openxmlformats.org/drawingml/2006/diagram" xmlns:pic="http://schemas.openxmlformats.org/drawingml/2006/picture" xmlns:wp="http://schemas.openxmlformats.org/drawingml/2006/wordprocessingDrawing" xmlns:xdr="http://schemas.openxmlformats.org/drawingml/2006/spreadsheetDrawing" xmlns:ns11="http://schemas.openxmlformats.org/drawingml/2006/compatibility" xmlns:ns12="http://schemas.openxmlformats.org/drawingml/2006/lockedCanvas" type="vertTx" preserve="true">
   <p:cSld name="Title and Vertical Text">
     <p:spTree>
       <p:nvGrpSpPr>
@@ -2216,7 +2216,7 @@
 </file>
 
 <file path=ppt/slideMasters/slideMaster1.xml><?xml version="1.0" encoding="utf-8"?>
-<p:sldMaster xmlns:a="http://schemas.openxmlformats.org/drawingml/2006/main" xmlns:r="http://schemas.openxmlformats.org/officeDocument/2006/relationships" xmlns:p="http://schemas.openxmlformats.org/presentationml/2006/main" xmlns:mc="http://schemas.openxmlformats.org/markup-compatibility/2006" xmlns:c="http://schemas.openxmlformats.org/drawingml/2006/chart" xmlns:ns6="http://schemas.openxmlformats.org/drawingml/2006/chartDrawing" xmlns:dgm="http://schemas.openxmlformats.org/drawingml/2006/diagram" xmlns:pic="http://schemas.openxmlformats.org/drawingml/2006/picture" xmlns:wp="http://schemas.openxmlformats.org/drawingml/2006/wordprocessingDrawing" xmlns:xdr="http://schemas.openxmlformats.org/drawingml/2006/spreadsheetDrawing" xmlns:ns11="http://schemas.openxmlformats.org/drawingml/2006/compatibility" xmlns:ns12="http://schemas.openxmlformats.org/drawingml/2006/lockedCanvas">
+<p:sldMaster xmlns:p="http://schemas.openxmlformats.org/presentationml/2006/main" xmlns:r="http://schemas.openxmlformats.org/officeDocument/2006/relationships" xmlns:a="http://schemas.openxmlformats.org/drawingml/2006/main" xmlns:mc="http://schemas.openxmlformats.org/markup-compatibility/2006" xmlns:c="http://schemas.openxmlformats.org/drawingml/2006/chart" xmlns:ns6="http://schemas.openxmlformats.org/drawingml/2006/chartDrawing" xmlns:dgm="http://schemas.openxmlformats.org/drawingml/2006/diagram" xmlns:pic="http://schemas.openxmlformats.org/drawingml/2006/picture" xmlns:wp="http://schemas.openxmlformats.org/drawingml/2006/wordprocessingDrawing" xmlns:xdr="http://schemas.openxmlformats.org/drawingml/2006/spreadsheetDrawing" xmlns:ns11="http://schemas.openxmlformats.org/drawingml/2006/compatibility" xmlns:ns12="http://schemas.openxmlformats.org/drawingml/2006/lockedCanvas">
   <p:cSld>
     <p:bg>
       <p:bgRef idx="1001">
@@ -2762,7 +2762,7 @@
 </file>
 
 <file path=ppt/slides/slide1.xml><?xml version="1.0" encoding="utf-8"?>
-<p:sld xmlns:a="http://schemas.openxmlformats.org/drawingml/2006/main" xmlns:r="http://schemas.openxmlformats.org/officeDocument/2006/relationships" xmlns:p="http://schemas.openxmlformats.org/presentationml/2006/main" xmlns:mc="http://schemas.openxmlformats.org/markup-compatibility/2006" xmlns:c="http://schemas.openxmlformats.org/drawingml/2006/chart" xmlns:ns6="http://schemas.openxmlformats.org/drawingml/2006/chartDrawing" xmlns:dgm="http://schemas.openxmlformats.org/drawingml/2006/diagram" xmlns:pic="http://schemas.openxmlformats.org/drawingml/2006/picture" xmlns:wp="http://schemas.openxmlformats.org/drawingml/2006/wordprocessingDrawing" xmlns:xdr="http://schemas.openxmlformats.org/drawingml/2006/spreadsheetDrawing" xmlns:ns11="http://schemas.openxmlformats.org/drawingml/2006/compatibility" xmlns:ns12="http://schemas.openxmlformats.org/drawingml/2006/lockedCanvas">
+<p:sld xmlns:p="http://schemas.openxmlformats.org/presentationml/2006/main" xmlns:r="http://schemas.openxmlformats.org/officeDocument/2006/relationships" xmlns:a="http://schemas.openxmlformats.org/drawingml/2006/main" xmlns:mc="http://schemas.openxmlformats.org/markup-compatibility/2006" xmlns:c="http://schemas.openxmlformats.org/drawingml/2006/chart" xmlns:ns6="http://schemas.openxmlformats.org/drawingml/2006/chartDrawing" xmlns:dgm="http://schemas.openxmlformats.org/drawingml/2006/diagram" xmlns:pic="http://schemas.openxmlformats.org/drawingml/2006/picture" xmlns:wp="http://schemas.openxmlformats.org/drawingml/2006/wordprocessingDrawing" xmlns:xdr="http://schemas.openxmlformats.org/drawingml/2006/spreadsheetDrawing" xmlns:ns11="http://schemas.openxmlformats.org/drawingml/2006/compatibility" xmlns:ns12="http://schemas.openxmlformats.org/drawingml/2006/lockedCanvas">
   <p:cSld>
     <p:spTree>
       <p:nvGrpSpPr>
@@ -2800,18 +2800,18 @@
           </p:nvSpPr>
           <p:spPr>
             <a:xfrm>
-              <a:off x="2063672" y="5321999"/>
-              <a:ext cx="2933478" cy="0"/>
+              <a:off x="1637015" y="5321999"/>
+              <a:ext cx="3888261" cy="0"/>
             </a:xfrm>
             <a:custGeom>
               <a:avLst/>
               <a:pathLst>
-                <a:path w="2933478" h="0">
+                <a:path w="3888261" h="0">
                   <a:moveTo>
                     <a:pt x="0" y="0"/>
                   </a:moveTo>
                   <a:lnTo>
-                    <a:pt x="2933478" y="0"/>
+                    <a:pt x="3888261" y="0"/>
                   </a:lnTo>
                 </a:path>
               </a:pathLst>
@@ -2840,7 +2840,7 @@
           </p:nvSpPr>
           <p:spPr>
             <a:xfrm>
-              <a:off x="2063672" y="5321999"/>
+              <a:off x="1637015" y="5321999"/>
               <a:ext cx="0" cy="83820"/>
             </a:xfrm>
             <a:custGeom>
@@ -2880,7 +2880,7 @@
           </p:nvSpPr>
           <p:spPr>
             <a:xfrm>
-              <a:off x="2797042" y="5321999"/>
+              <a:off x="2414667" y="5321999"/>
               <a:ext cx="0" cy="83820"/>
             </a:xfrm>
             <a:custGeom>
@@ -2920,7 +2920,7 @@
           </p:nvSpPr>
           <p:spPr>
             <a:xfrm>
-              <a:off x="3530411" y="5321999"/>
+              <a:off x="3192319" y="5321999"/>
               <a:ext cx="0" cy="83820"/>
             </a:xfrm>
             <a:custGeom>
@@ -2960,7 +2960,7 @@
           </p:nvSpPr>
           <p:spPr>
             <a:xfrm>
-              <a:off x="4263781" y="5321999"/>
+              <a:off x="3969972" y="5321999"/>
               <a:ext cx="0" cy="83820"/>
             </a:xfrm>
             <a:custGeom>
@@ -3000,7 +3000,7 @@
           </p:nvSpPr>
           <p:spPr>
             <a:xfrm>
-              <a:off x="4997150" y="5321999"/>
+              <a:off x="4747624" y="5321999"/>
               <a:ext cx="0" cy="83820"/>
             </a:xfrm>
             <a:custGeom>
@@ -3034,13 +3034,99 @@
         </p:sp>
         <p:sp>
           <p:nvSpPr>
-            <p:cNvPr id="10" name="tx10"/>
+            <p:cNvPr id="10" name="pl10"/>
             <p:cNvSpPr/>
             <p:nvPr/>
           </p:nvSpPr>
           <p:spPr>
             <a:xfrm>
-              <a:off x="1953849" y="5532866"/>
+              <a:off x="5525276" y="5321999"/>
+              <a:ext cx="0" cy="83820"/>
+            </a:xfrm>
+            <a:custGeom>
+              <a:avLst/>
+              <a:pathLst>
+                <a:path w="0" h="83820">
+                  <a:moveTo>
+                    <a:pt x="0" y="0"/>
+                  </a:moveTo>
+                  <a:lnTo>
+                    <a:pt x="0" y="83820"/>
+                  </a:lnTo>
+                </a:path>
+              </a:pathLst>
+            </a:custGeom>
+            <a:ln w="9525" cap="rnd">
+              <a:solidFill>
+                <a:srgbClr val="000000">
+                  <a:alpha val="100000"/>
+                </a:srgbClr>
+              </a:solidFill>
+              <a:prstDash val="solid"/>
+              <a:round/>
+            </a:ln>
+          </p:spPr>
+          <p:txBody>
+            <a:bodyPr/>
+            <a:lstStyle/>
+            <a:p/>
+          </p:txBody>
+        </p:sp>
+        <p:sp>
+          <p:nvSpPr>
+            <p:cNvPr id="11" name="tx11"/>
+            <p:cNvSpPr/>
+            <p:nvPr/>
+          </p:nvSpPr>
+          <p:spPr>
+            <a:xfrm>
+              <a:off x="1527192" y="5532866"/>
+              <a:ext cx="219645" cy="90884"/>
+            </a:xfrm>
+            <a:prstGeom prst="rect">
+              <a:avLst/>
+            </a:prstGeom>
+            <a:noFill/>
+          </p:spPr>
+          <p:txBody>
+            <a:bodyPr wrap="none" lIns="0" tIns="0" rIns="0" bIns="0" anchor="ctr" anchorCtr="true"/>
+            <a:lstStyle/>
+            <a:p>
+              <a:pPr marL="0" marR="0" indent="0" algn="l">
+                <a:lnSpc>
+                  <a:spcPts val="1100"/>
+                </a:lnSpc>
+                <a:spcBef>
+                  <a:spcPts val="0"/>
+                </a:spcBef>
+                <a:spcAft>
+                  <a:spcPts val="0"/>
+                </a:spcAft>
+              </a:pPr>
+              <a:r>
+                <a:rPr sz="1100">
+                  <a:solidFill>
+                    <a:srgbClr val="000000">
+                      <a:alpha val="100000"/>
+                    </a:srgbClr>
+                  </a:solidFill>
+                  <a:latin typeface="Calibri"/>
+                  <a:cs typeface="Calibri"/>
+                </a:rPr>
+                <a:t>-0.6</a:t>
+              </a:r>
+            </a:p>
+          </p:txBody>
+        </p:sp>
+        <p:sp>
+          <p:nvSpPr>
+            <p:cNvPr id="12" name="tx12"/>
+            <p:cNvSpPr/>
+            <p:nvPr/>
+          </p:nvSpPr>
+          <p:spPr>
+            <a:xfrm>
+              <a:off x="2304844" y="5532866"/>
               <a:ext cx="219645" cy="90884"/>
             </a:xfrm>
             <a:prstGeom prst="rect">
@@ -3080,13 +3166,13 @@
         </p:sp>
         <p:sp>
           <p:nvSpPr>
-            <p:cNvPr id="11" name="tx11"/>
+            <p:cNvPr id="13" name="tx13"/>
             <p:cNvSpPr/>
             <p:nvPr/>
           </p:nvSpPr>
           <p:spPr>
             <a:xfrm>
-              <a:off x="2687219" y="5532866"/>
+              <a:off x="3082497" y="5532866"/>
               <a:ext cx="219645" cy="90884"/>
             </a:xfrm>
             <a:prstGeom prst="rect">
@@ -3126,13 +3212,13 @@
         </p:sp>
         <p:sp>
           <p:nvSpPr>
-            <p:cNvPr id="12" name="tx12"/>
+            <p:cNvPr id="14" name="tx14"/>
             <p:cNvSpPr/>
             <p:nvPr/>
           </p:nvSpPr>
           <p:spPr>
             <a:xfrm>
-              <a:off x="3441973" y="5532866"/>
+              <a:off x="3881534" y="5532866"/>
               <a:ext cx="176876" cy="90884"/>
             </a:xfrm>
             <a:prstGeom prst="rect">
@@ -3172,13 +3258,13 @@
         </p:sp>
         <p:sp>
           <p:nvSpPr>
-            <p:cNvPr id="13" name="tx13"/>
+            <p:cNvPr id="15" name="tx15"/>
             <p:cNvSpPr/>
             <p:nvPr/>
           </p:nvSpPr>
           <p:spPr>
             <a:xfrm>
-              <a:off x="4175343" y="5532866"/>
+              <a:off x="4659186" y="5532866"/>
               <a:ext cx="176876" cy="90884"/>
             </a:xfrm>
             <a:prstGeom prst="rect">
@@ -3218,13 +3304,13 @@
         </p:sp>
         <p:sp>
           <p:nvSpPr>
-            <p:cNvPr id="14" name="tx14"/>
+            <p:cNvPr id="16" name="tx16"/>
             <p:cNvSpPr/>
             <p:nvPr/>
           </p:nvSpPr>
           <p:spPr>
             <a:xfrm>
-              <a:off x="4908712" y="5532866"/>
+              <a:off x="5436838" y="5532866"/>
               <a:ext cx="176876" cy="90884"/>
             </a:xfrm>
             <a:prstGeom prst="rect">
@@ -3264,21 +3350,21 @@
         </p:sp>
         <p:sp>
           <p:nvSpPr>
-            <p:cNvPr id="15" name="pl15"/>
+            <p:cNvPr id="17" name="pl17"/>
             <p:cNvSpPr/>
             <p:nvPr/>
           </p:nvSpPr>
           <p:spPr>
             <a:xfrm>
-              <a:off x="1525523" y="2729705"/>
-              <a:ext cx="0" cy="2240200"/>
+              <a:off x="1525523" y="2845149"/>
+              <a:ext cx="0" cy="2424639"/>
             </a:xfrm>
             <a:custGeom>
               <a:avLst/>
               <a:pathLst>
-                <a:path w="0" h="2240200">
+                <a:path w="0" h="2424639">
                   <a:moveTo>
-                    <a:pt x="0" y="2240200"/>
+                    <a:pt x="0" y="2424639"/>
                   </a:moveTo>
                   <a:lnTo>
                     <a:pt x="0" y="0"/>
@@ -3304,13 +3390,13 @@
         </p:sp>
         <p:sp>
           <p:nvSpPr>
-            <p:cNvPr id="16" name="pl16"/>
+            <p:cNvPr id="18" name="pl18"/>
             <p:cNvSpPr/>
             <p:nvPr/>
           </p:nvSpPr>
           <p:spPr>
             <a:xfrm>
-              <a:off x="1441704" y="4969905"/>
+              <a:off x="1441704" y="5269789"/>
               <a:ext cx="83819" cy="0"/>
             </a:xfrm>
             <a:custGeom>
@@ -3344,13 +3430,13 @@
         </p:sp>
         <p:sp>
           <p:nvSpPr>
-            <p:cNvPr id="17" name="pl17"/>
+            <p:cNvPr id="19" name="pl19"/>
             <p:cNvSpPr/>
             <p:nvPr/>
           </p:nvSpPr>
           <p:spPr>
             <a:xfrm>
-              <a:off x="1441704" y="4409855"/>
+              <a:off x="1441704" y="4865682"/>
               <a:ext cx="83819" cy="0"/>
             </a:xfrm>
             <a:custGeom>
@@ -3384,13 +3470,13 @@
         </p:sp>
         <p:sp>
           <p:nvSpPr>
-            <p:cNvPr id="18" name="pl18"/>
+            <p:cNvPr id="20" name="pl20"/>
             <p:cNvSpPr/>
             <p:nvPr/>
           </p:nvSpPr>
           <p:spPr>
             <a:xfrm>
-              <a:off x="1441704" y="3849805"/>
+              <a:off x="1441704" y="4461576"/>
               <a:ext cx="83819" cy="0"/>
             </a:xfrm>
             <a:custGeom>
@@ -3424,13 +3510,13 @@
         </p:sp>
         <p:sp>
           <p:nvSpPr>
-            <p:cNvPr id="19" name="pl19"/>
+            <p:cNvPr id="21" name="pl21"/>
             <p:cNvSpPr/>
             <p:nvPr/>
           </p:nvSpPr>
           <p:spPr>
             <a:xfrm>
-              <a:off x="1441704" y="3289755"/>
+              <a:off x="1441704" y="4057469"/>
               <a:ext cx="83819" cy="0"/>
             </a:xfrm>
             <a:custGeom>
@@ -3464,13 +3550,13 @@
         </p:sp>
         <p:sp>
           <p:nvSpPr>
-            <p:cNvPr id="20" name="pl20"/>
+            <p:cNvPr id="22" name="pl22"/>
             <p:cNvSpPr/>
             <p:nvPr/>
           </p:nvSpPr>
           <p:spPr>
             <a:xfrm>
-              <a:off x="1441704" y="2729705"/>
+              <a:off x="1441704" y="3653362"/>
               <a:ext cx="83819" cy="0"/>
             </a:xfrm>
             <a:custGeom>
@@ -3504,13 +3590,231 @@
         </p:sp>
         <p:sp>
           <p:nvSpPr>
-            <p:cNvPr id="21" name="tx21"/>
+            <p:cNvPr id="23" name="pl23"/>
+            <p:cNvSpPr/>
+            <p:nvPr/>
+          </p:nvSpPr>
+          <p:spPr>
+            <a:xfrm>
+              <a:off x="1441704" y="3249256"/>
+              <a:ext cx="83819" cy="0"/>
+            </a:xfrm>
+            <a:custGeom>
+              <a:avLst/>
+              <a:pathLst>
+                <a:path w="83819" h="0">
+                  <a:moveTo>
+                    <a:pt x="83819" y="0"/>
+                  </a:moveTo>
+                  <a:lnTo>
+                    <a:pt x="0" y="0"/>
+                  </a:lnTo>
+                </a:path>
+              </a:pathLst>
+            </a:custGeom>
+            <a:ln w="9525" cap="rnd">
+              <a:solidFill>
+                <a:srgbClr val="000000">
+                  <a:alpha val="100000"/>
+                </a:srgbClr>
+              </a:solidFill>
+              <a:prstDash val="solid"/>
+              <a:round/>
+            </a:ln>
+          </p:spPr>
+          <p:txBody>
+            <a:bodyPr/>
+            <a:lstStyle/>
+            <a:p/>
+          </p:txBody>
+        </p:sp>
+        <p:sp>
+          <p:nvSpPr>
+            <p:cNvPr id="24" name="pl24"/>
+            <p:cNvSpPr/>
+            <p:nvPr/>
+          </p:nvSpPr>
+          <p:spPr>
+            <a:xfrm>
+              <a:off x="1441704" y="2845149"/>
+              <a:ext cx="83819" cy="0"/>
+            </a:xfrm>
+            <a:custGeom>
+              <a:avLst/>
+              <a:pathLst>
+                <a:path w="83819" h="0">
+                  <a:moveTo>
+                    <a:pt x="83819" y="0"/>
+                  </a:moveTo>
+                  <a:lnTo>
+                    <a:pt x="0" y="0"/>
+                  </a:lnTo>
+                </a:path>
+              </a:pathLst>
+            </a:custGeom>
+            <a:ln w="9525" cap="rnd">
+              <a:solidFill>
+                <a:srgbClr val="000000">
+                  <a:alpha val="100000"/>
+                </a:srgbClr>
+              </a:solidFill>
+              <a:prstDash val="solid"/>
+              <a:round/>
+            </a:ln>
+          </p:spPr>
+          <p:txBody>
+            <a:bodyPr/>
+            <a:lstStyle/>
+            <a:p/>
+          </p:txBody>
+        </p:sp>
+        <p:sp>
+          <p:nvSpPr>
+            <p:cNvPr id="25" name="tx25"/>
             <p:cNvSpPr/>
             <p:nvPr/>
           </p:nvSpPr>
           <p:spPr>
             <a:xfrm rot="-5400000">
-              <a:off x="1169091" y="4924463"/>
+              <a:off x="1169091" y="5224347"/>
+              <a:ext cx="219645" cy="90884"/>
+            </a:xfrm>
+            <a:prstGeom prst="rect">
+              <a:avLst/>
+            </a:prstGeom>
+            <a:noFill/>
+          </p:spPr>
+          <p:txBody>
+            <a:bodyPr wrap="none" lIns="0" tIns="0" rIns="0" bIns="0" anchor="ctr" anchorCtr="true"/>
+            <a:lstStyle/>
+            <a:p>
+              <a:pPr marL="0" marR="0" indent="0" algn="l">
+                <a:lnSpc>
+                  <a:spcPts val="1100"/>
+                </a:lnSpc>
+                <a:spcBef>
+                  <a:spcPts val="0"/>
+                </a:spcBef>
+                <a:spcAft>
+                  <a:spcPts val="0"/>
+                </a:spcAft>
+              </a:pPr>
+              <a:r>
+                <a:rPr sz="1100">
+                  <a:solidFill>
+                    <a:srgbClr val="000000">
+                      <a:alpha val="100000"/>
+                    </a:srgbClr>
+                  </a:solidFill>
+                  <a:latin typeface="Calibri"/>
+                  <a:cs typeface="Calibri"/>
+                </a:rPr>
+                <a:t>-0.8</a:t>
+              </a:r>
+            </a:p>
+          </p:txBody>
+        </p:sp>
+        <p:sp>
+          <p:nvSpPr>
+            <p:cNvPr id="26" name="tx26"/>
+            <p:cNvSpPr/>
+            <p:nvPr/>
+          </p:nvSpPr>
+          <p:spPr>
+            <a:xfrm rot="-5400000">
+              <a:off x="1169091" y="4820240"/>
+              <a:ext cx="219645" cy="90884"/>
+            </a:xfrm>
+            <a:prstGeom prst="rect">
+              <a:avLst/>
+            </a:prstGeom>
+            <a:noFill/>
+          </p:spPr>
+          <p:txBody>
+            <a:bodyPr wrap="none" lIns="0" tIns="0" rIns="0" bIns="0" anchor="ctr" anchorCtr="true"/>
+            <a:lstStyle/>
+            <a:p>
+              <a:pPr marL="0" marR="0" indent="0" algn="l">
+                <a:lnSpc>
+                  <a:spcPts val="1100"/>
+                </a:lnSpc>
+                <a:spcBef>
+                  <a:spcPts val="0"/>
+                </a:spcBef>
+                <a:spcAft>
+                  <a:spcPts val="0"/>
+                </a:spcAft>
+              </a:pPr>
+              <a:r>
+                <a:rPr sz="1100">
+                  <a:solidFill>
+                    <a:srgbClr val="000000">
+                      <a:alpha val="100000"/>
+                    </a:srgbClr>
+                  </a:solidFill>
+                  <a:latin typeface="Calibri"/>
+                  <a:cs typeface="Calibri"/>
+                </a:rPr>
+                <a:t>-0.6</a:t>
+              </a:r>
+            </a:p>
+          </p:txBody>
+        </p:sp>
+        <p:sp>
+          <p:nvSpPr>
+            <p:cNvPr id="27" name="tx27"/>
+            <p:cNvSpPr/>
+            <p:nvPr/>
+          </p:nvSpPr>
+          <p:spPr>
+            <a:xfrm rot="-5400000">
+              <a:off x="1169091" y="4416134"/>
+              <a:ext cx="219645" cy="90884"/>
+            </a:xfrm>
+            <a:prstGeom prst="rect">
+              <a:avLst/>
+            </a:prstGeom>
+            <a:noFill/>
+          </p:spPr>
+          <p:txBody>
+            <a:bodyPr wrap="none" lIns="0" tIns="0" rIns="0" bIns="0" anchor="ctr" anchorCtr="true"/>
+            <a:lstStyle/>
+            <a:p>
+              <a:pPr marL="0" marR="0" indent="0" algn="l">
+                <a:lnSpc>
+                  <a:spcPts val="1100"/>
+                </a:lnSpc>
+                <a:spcBef>
+                  <a:spcPts val="0"/>
+                </a:spcBef>
+                <a:spcAft>
+                  <a:spcPts val="0"/>
+                </a:spcAft>
+              </a:pPr>
+              <a:r>
+                <a:rPr sz="1100">
+                  <a:solidFill>
+                    <a:srgbClr val="000000">
+                      <a:alpha val="100000"/>
+                    </a:srgbClr>
+                  </a:solidFill>
+                  <a:latin typeface="Calibri"/>
+                  <a:cs typeface="Calibri"/>
+                </a:rPr>
+                <a:t>-0.4</a:t>
+              </a:r>
+            </a:p>
+          </p:txBody>
+        </p:sp>
+        <p:sp>
+          <p:nvSpPr>
+            <p:cNvPr id="28" name="tx28"/>
+            <p:cNvSpPr/>
+            <p:nvPr/>
+          </p:nvSpPr>
+          <p:spPr>
+            <a:xfrm rot="-5400000">
+              <a:off x="1169091" y="4012027"/>
               <a:ext cx="219645" cy="90884"/>
             </a:xfrm>
             <a:prstGeom prst="rect">
@@ -3550,13 +3854,13 @@
         </p:sp>
         <p:sp>
           <p:nvSpPr>
-            <p:cNvPr id="22" name="tx22"/>
+            <p:cNvPr id="29" name="tx29"/>
             <p:cNvSpPr/>
             <p:nvPr/>
           </p:nvSpPr>
           <p:spPr>
             <a:xfrm rot="-5400000">
-              <a:off x="1190475" y="4364413"/>
+              <a:off x="1190475" y="3607920"/>
               <a:ext cx="176876" cy="90884"/>
             </a:xfrm>
             <a:prstGeom prst="rect">
@@ -3596,13 +3900,13 @@
         </p:sp>
         <p:sp>
           <p:nvSpPr>
-            <p:cNvPr id="23" name="tx23"/>
+            <p:cNvPr id="30" name="tx30"/>
             <p:cNvSpPr/>
             <p:nvPr/>
           </p:nvSpPr>
           <p:spPr>
             <a:xfrm rot="-5400000">
-              <a:off x="1190475" y="3804363"/>
+              <a:off x="1190475" y="3203814"/>
               <a:ext cx="176876" cy="90884"/>
             </a:xfrm>
             <a:prstGeom prst="rect">
@@ -3642,13 +3946,13 @@
         </p:sp>
         <p:sp>
           <p:nvSpPr>
-            <p:cNvPr id="24" name="tx24"/>
+            <p:cNvPr id="31" name="tx31"/>
             <p:cNvSpPr/>
             <p:nvPr/>
           </p:nvSpPr>
           <p:spPr>
             <a:xfrm rot="-5400000">
-              <a:off x="1190475" y="3244313"/>
+              <a:off x="1190475" y="2799707"/>
               <a:ext cx="176876" cy="90884"/>
             </a:xfrm>
             <a:prstGeom prst="rect">
@@ -3688,53 +3992,7 @@
         </p:sp>
         <p:sp>
           <p:nvSpPr>
-            <p:cNvPr id="25" name="tx25"/>
-            <p:cNvSpPr/>
-            <p:nvPr/>
-          </p:nvSpPr>
-          <p:spPr>
-            <a:xfrm rot="-5400000">
-              <a:off x="1190475" y="2684263"/>
-              <a:ext cx="176876" cy="90884"/>
-            </a:xfrm>
-            <a:prstGeom prst="rect">
-              <a:avLst/>
-            </a:prstGeom>
-            <a:noFill/>
-          </p:spPr>
-          <p:txBody>
-            <a:bodyPr wrap="none" lIns="0" tIns="0" rIns="0" bIns="0" anchor="ctr" anchorCtr="true"/>
-            <a:lstStyle/>
-            <a:p>
-              <a:pPr marL="0" marR="0" indent="0" algn="l">
-                <a:lnSpc>
-                  <a:spcPts val="1100"/>
-                </a:lnSpc>
-                <a:spcBef>
-                  <a:spcPts val="0"/>
-                </a:spcBef>
-                <a:spcAft>
-                  <a:spcPts val="0"/>
-                </a:spcAft>
-              </a:pPr>
-              <a:r>
-                <a:rPr sz="1100">
-                  <a:solidFill>
-                    <a:srgbClr val="000000">
-                      <a:alpha val="100000"/>
-                    </a:srgbClr>
-                  </a:solidFill>
-                  <a:latin typeface="Calibri"/>
-                  <a:cs typeface="Calibri"/>
-                </a:rPr>
-                <a:t>0.6</a:t>
-              </a:r>
-            </a:p>
-          </p:txBody>
-        </p:sp>
-        <p:sp>
-          <p:nvSpPr>
-            <p:cNvPr id="26" name="pl26"/>
+            <p:cNvPr id="32" name="pl32"/>
             <p:cNvSpPr/>
             <p:nvPr/>
           </p:nvSpPr>
@@ -3783,7 +4041,7 @@
         </p:sp>
         <p:sp>
           <p:nvSpPr>
-            <p:cNvPr id="27" name="tx27"/>
+            <p:cNvPr id="33" name="tx33"/>
             <p:cNvSpPr/>
             <p:nvPr/>
           </p:nvSpPr>
@@ -3822,14 +4080,14 @@
                   <a:latin typeface="Calibri"/>
                   <a:cs typeface="Calibri"/>
                 </a:rPr>
-                <a:t>PC1 (31%)</a:t>
+                <a:t>PC1 (30%)</a:t>
               </a:r>
             </a:p>
           </p:txBody>
         </p:sp>
         <p:sp>
           <p:nvSpPr>
-            <p:cNvPr id="28" name="tx28"/>
+            <p:cNvPr id="34" name="tx34"/>
             <p:cNvSpPr/>
             <p:nvPr/>
           </p:nvSpPr>
@@ -3868,66 +4126,20 @@
                   <a:latin typeface="Calibri"/>
                   <a:cs typeface="Calibri"/>
                 </a:rPr>
-                <a:t>PC2 (16%)</a:t>
+                <a:t>PC2 (19%)</a:t>
               </a:r>
             </a:p>
           </p:txBody>
         </p:sp>
         <p:sp>
           <p:nvSpPr>
-            <p:cNvPr id="29" name="tx29"/>
+            <p:cNvPr id="35" name="tx35"/>
             <p:cNvSpPr/>
             <p:nvPr/>
           </p:nvSpPr>
           <p:spPr>
             <a:xfrm>
-              <a:off x="4804614" y="4850466"/>
-              <a:ext cx="252933" cy="90884"/>
-            </a:xfrm>
-            <a:prstGeom prst="rect">
-              <a:avLst/>
-            </a:prstGeom>
-            <a:noFill/>
-          </p:spPr>
-          <p:txBody>
-            <a:bodyPr wrap="none" lIns="0" tIns="0" rIns="0" bIns="0" anchor="ctr" anchorCtr="true"/>
-            <a:lstStyle/>
-            <a:p>
-              <a:pPr marL="0" marR="0" indent="0" algn="l">
-                <a:lnSpc>
-                  <a:spcPts val="1100"/>
-                </a:lnSpc>
-                <a:spcBef>
-                  <a:spcPts val="0"/>
-                </a:spcBef>
-                <a:spcAft>
-                  <a:spcPts val="0"/>
-                </a:spcAft>
-              </a:pPr>
-              <a:r>
-                <a:rPr sz="1100">
-                  <a:solidFill>
-                    <a:srgbClr val="595959">
-                      <a:alpha val="100000"/>
-                    </a:srgbClr>
-                  </a:solidFill>
-                  <a:latin typeface="Calibri"/>
-                  <a:cs typeface="Calibri"/>
-                </a:rPr>
-                <a:t>DOC</a:t>
-              </a:r>
-            </a:p>
-          </p:txBody>
-        </p:sp>
-        <p:sp>
-          <p:nvSpPr>
-            <p:cNvPr id="30" name="tx30"/>
-            <p:cNvSpPr/>
-            <p:nvPr/>
-          </p:nvSpPr>
-          <p:spPr>
-            <a:xfrm>
-              <a:off x="4991827" y="5133227"/>
+              <a:off x="2238932" y="2532255"/>
               <a:ext cx="684311" cy="119856"/>
             </a:xfrm>
             <a:prstGeom prst="rect">
@@ -3967,13 +4179,13 @@
         </p:sp>
         <p:sp>
           <p:nvSpPr>
-            <p:cNvPr id="31" name="tx31"/>
+            <p:cNvPr id="36" name="tx36"/>
             <p:cNvSpPr/>
             <p:nvPr/>
           </p:nvSpPr>
           <p:spPr>
             <a:xfrm>
-              <a:off x="2643920" y="2532255"/>
+              <a:off x="3793253" y="5133227"/>
               <a:ext cx="716508" cy="119856"/>
             </a:xfrm>
             <a:prstGeom prst="rect">
@@ -4013,13 +4225,13 @@
         </p:sp>
         <p:sp>
           <p:nvSpPr>
-            <p:cNvPr id="32" name="tx32"/>
+            <p:cNvPr id="37" name="tx37"/>
             <p:cNvSpPr/>
             <p:nvPr/>
           </p:nvSpPr>
           <p:spPr>
             <a:xfrm>
-              <a:off x="4735275" y="4969877"/>
+              <a:off x="2960680" y="3533423"/>
               <a:ext cx="418554" cy="115292"/>
             </a:xfrm>
             <a:prstGeom prst="rect">
@@ -4059,13 +4271,13 @@
         </p:sp>
         <p:sp>
           <p:nvSpPr>
-            <p:cNvPr id="33" name="tx33"/>
+            <p:cNvPr id="38" name="tx38"/>
             <p:cNvSpPr/>
             <p:nvPr/>
           </p:nvSpPr>
           <p:spPr>
             <a:xfrm>
-              <a:off x="4313714" y="3060676"/>
+              <a:off x="1627153" y="3725892"/>
               <a:ext cx="520123" cy="115292"/>
             </a:xfrm>
             <a:prstGeom prst="rect">
@@ -4105,13 +4317,13 @@
         </p:sp>
         <p:sp>
           <p:nvSpPr>
-            <p:cNvPr id="34" name="tx34"/>
+            <p:cNvPr id="39" name="tx39"/>
             <p:cNvSpPr/>
             <p:nvPr/>
           </p:nvSpPr>
           <p:spPr>
             <a:xfrm>
-              <a:off x="4606444" y="3245620"/>
+              <a:off x="1562318" y="3830682"/>
               <a:ext cx="687313" cy="96440"/>
             </a:xfrm>
             <a:prstGeom prst="rect">
@@ -4151,13 +4363,13 @@
         </p:sp>
         <p:sp>
           <p:nvSpPr>
-            <p:cNvPr id="35" name="tx35"/>
+            <p:cNvPr id="40" name="tx40"/>
             <p:cNvSpPr/>
             <p:nvPr/>
           </p:nvSpPr>
           <p:spPr>
             <a:xfrm>
-              <a:off x="3424529" y="4380354"/>
+              <a:off x="2429313" y="3604819"/>
               <a:ext cx="291064" cy="96440"/>
             </a:xfrm>
             <a:prstGeom prst="rect">
@@ -4197,13 +4409,13 @@
         </p:sp>
         <p:sp>
           <p:nvSpPr>
-            <p:cNvPr id="36" name="tx36"/>
+            <p:cNvPr id="41" name="tx41"/>
             <p:cNvSpPr/>
             <p:nvPr/>
           </p:nvSpPr>
           <p:spPr>
             <a:xfrm>
-              <a:off x="1572255" y="4954733"/>
+              <a:off x="5098942" y="2881710"/>
               <a:ext cx="550000" cy="119856"/>
             </a:xfrm>
             <a:prstGeom prst="rect">
@@ -4243,13 +4455,13 @@
         </p:sp>
         <p:sp>
           <p:nvSpPr>
-            <p:cNvPr id="37" name="tx37"/>
+            <p:cNvPr id="42" name="tx42"/>
             <p:cNvSpPr/>
             <p:nvPr/>
           </p:nvSpPr>
           <p:spPr>
             <a:xfrm>
-              <a:off x="3399325" y="4077728"/>
+              <a:off x="3689127" y="3495424"/>
               <a:ext cx="494407" cy="96440"/>
             </a:xfrm>
             <a:prstGeom prst="rect">
@@ -4289,187 +4501,21 @@
         </p:sp>
         <p:sp>
           <p:nvSpPr>
-            <p:cNvPr id="38" name="pl38"/>
+            <p:cNvPr id="43" name="pl43"/>
             <p:cNvSpPr/>
             <p:nvPr/>
           </p:nvSpPr>
           <p:spPr>
             <a:xfrm>
-              <a:off x="3530411" y="4409855"/>
-              <a:ext cx="1190568" cy="414325"/>
+              <a:off x="2789420" y="2772444"/>
+              <a:ext cx="1180551" cy="880918"/>
             </a:xfrm>
             <a:custGeom>
               <a:avLst/>
               <a:pathLst>
-                <a:path w="1190568" h="414325">
+                <a:path w="1180551" h="880918">
                   <a:moveTo>
-                    <a:pt x="0" y="0"/>
-                  </a:moveTo>
-                  <a:lnTo>
-                    <a:pt x="1190568" y="414325"/>
-                  </a:lnTo>
-                </a:path>
-              </a:pathLst>
-            </a:custGeom>
-            <a:ln w="9525" cap="rnd">
-              <a:solidFill>
-                <a:srgbClr val="000000">
-                  <a:alpha val="100000"/>
-                </a:srgbClr>
-              </a:solidFill>
-              <a:prstDash val="solid"/>
-              <a:round/>
-            </a:ln>
-          </p:spPr>
-          <p:txBody>
-            <a:bodyPr/>
-            <a:lstStyle/>
-            <a:p/>
-          </p:txBody>
-        </p:sp>
-        <p:sp>
-          <p:nvSpPr>
-            <p:cNvPr id="39" name="pl39"/>
-            <p:cNvSpPr/>
-            <p:nvPr/>
-          </p:nvSpPr>
-          <p:spPr>
-            <a:xfrm>
-              <a:off x="4658108" y="4775736"/>
-              <a:ext cx="62871" cy="60451"/>
-            </a:xfrm>
-            <a:custGeom>
-              <a:avLst/>
-              <a:pathLst>
-                <a:path w="62871" h="60451">
-                  <a:moveTo>
-                    <a:pt x="0" y="60451"/>
-                  </a:moveTo>
-                  <a:lnTo>
-                    <a:pt x="62871" y="48445"/>
-                  </a:lnTo>
-                  <a:lnTo>
-                    <a:pt x="21037" y="0"/>
-                  </a:lnTo>
-                </a:path>
-              </a:pathLst>
-            </a:custGeom>
-            <a:ln w="9525" cap="rnd">
-              <a:solidFill>
-                <a:srgbClr val="000000">
-                  <a:alpha val="100000"/>
-                </a:srgbClr>
-              </a:solidFill>
-              <a:prstDash val="solid"/>
-              <a:round/>
-            </a:ln>
-          </p:spPr>
-          <p:txBody>
-            <a:bodyPr/>
-            <a:lstStyle/>
-            <a:p/>
-          </p:txBody>
-        </p:sp>
-        <p:sp>
-          <p:nvSpPr>
-            <p:cNvPr id="40" name="pl40"/>
-            <p:cNvSpPr/>
-            <p:nvPr/>
-          </p:nvSpPr>
-          <p:spPr>
-            <a:xfrm>
-              <a:off x="3530411" y="4409855"/>
-              <a:ext cx="1533035" cy="686888"/>
-            </a:xfrm>
-            <a:custGeom>
-              <a:avLst/>
-              <a:pathLst>
-                <a:path w="1533035" h="686888">
-                  <a:moveTo>
-                    <a:pt x="0" y="0"/>
-                  </a:moveTo>
-                  <a:lnTo>
-                    <a:pt x="1533035" y="686888"/>
-                  </a:lnTo>
-                </a:path>
-              </a:pathLst>
-            </a:custGeom>
-            <a:ln w="9525" cap="rnd">
-              <a:solidFill>
-                <a:srgbClr val="000000">
-                  <a:alpha val="100000"/>
-                </a:srgbClr>
-              </a:solidFill>
-              <a:prstDash val="solid"/>
-              <a:round/>
-            </a:ln>
-          </p:spPr>
-          <p:txBody>
-            <a:bodyPr/>
-            <a:lstStyle/>
-            <a:p/>
-          </p:txBody>
-        </p:sp>
-        <p:sp>
-          <p:nvSpPr>
-            <p:cNvPr id="41" name="pl41"/>
-            <p:cNvSpPr/>
-            <p:nvPr/>
-          </p:nvSpPr>
-          <p:spPr>
-            <a:xfrm>
-              <a:off x="4999774" y="5044872"/>
-              <a:ext cx="63672" cy="58412"/>
-            </a:xfrm>
-            <a:custGeom>
-              <a:avLst/>
-              <a:pathLst>
-                <a:path w="63672" h="58412">
-                  <a:moveTo>
-                    <a:pt x="0" y="58412"/>
-                  </a:moveTo>
-                  <a:lnTo>
-                    <a:pt x="63672" y="51872"/>
-                  </a:lnTo>
-                  <a:lnTo>
-                    <a:pt x="26172" y="0"/>
-                  </a:lnTo>
-                </a:path>
-              </a:pathLst>
-            </a:custGeom>
-            <a:ln w="9525" cap="rnd">
-              <a:solidFill>
-                <a:srgbClr val="000000">
-                  <a:alpha val="100000"/>
-                </a:srgbClr>
-              </a:solidFill>
-              <a:prstDash val="solid"/>
-              <a:round/>
-            </a:ln>
-          </p:spPr>
-          <p:txBody>
-            <a:bodyPr/>
-            <a:lstStyle/>
-            <a:p/>
-          </p:txBody>
-        </p:sp>
-        <p:sp>
-          <p:nvSpPr>
-            <p:cNvPr id="42" name="pl42"/>
-            <p:cNvSpPr/>
-            <p:nvPr/>
-          </p:nvSpPr>
-          <p:spPr>
-            <a:xfrm>
-              <a:off x="3081410" y="2885918"/>
-              <a:ext cx="449001" cy="1523937"/>
-            </a:xfrm>
-            <a:custGeom>
-              <a:avLst/>
-              <a:pathLst>
-                <a:path w="449001" h="1523937">
-                  <a:moveTo>
-                    <a:pt x="449001" y="1523937"/>
+                    <a:pt x="1180551" y="880918"/>
                   </a:moveTo>
                   <a:lnTo>
                     <a:pt x="0" y="0"/>
@@ -4495,27 +4541,27 @@
         </p:sp>
         <p:sp>
           <p:nvSpPr>
-            <p:cNvPr id="43" name="pl43"/>
+            <p:cNvPr id="44" name="pl44"/>
             <p:cNvSpPr/>
             <p:nvPr/>
           </p:nvSpPr>
           <p:spPr>
             <a:xfrm>
-              <a:off x="3066377" y="2885918"/>
-              <a:ext cx="61398" cy="62217"/>
+              <a:off x="2789420" y="2772444"/>
+              <a:ext cx="63566" cy="58801"/>
             </a:xfrm>
             <a:custGeom>
               <a:avLst/>
               <a:pathLst>
-                <a:path w="61398" h="62217">
+                <a:path w="63566" h="58801">
                   <a:moveTo>
-                    <a:pt x="61398" y="44127"/>
+                    <a:pt x="63566" y="7501"/>
                   </a:moveTo>
                   <a:lnTo>
-                    <a:pt x="15032" y="0"/>
+                    <a:pt x="0" y="0"/>
                   </a:lnTo>
                   <a:lnTo>
-                    <a:pt x="0" y="62217"/>
+                    <a:pt x="25287" y="58801"/>
                   </a:lnTo>
                 </a:path>
               </a:pathLst>
@@ -4538,24 +4584,24 @@
         </p:sp>
         <p:sp>
           <p:nvSpPr>
-            <p:cNvPr id="44" name="pl44"/>
+            <p:cNvPr id="45" name="pl45"/>
             <p:cNvSpPr/>
             <p:nvPr/>
           </p:nvSpPr>
           <p:spPr>
             <a:xfrm>
-              <a:off x="3530411" y="4409855"/>
-              <a:ext cx="1202019" cy="546101"/>
+              <a:off x="3969972" y="3653362"/>
+              <a:ext cx="154304" cy="1329907"/>
             </a:xfrm>
             <a:custGeom>
               <a:avLst/>
               <a:pathLst>
-                <a:path w="1202019" h="546101">
+                <a:path w="154304" h="1329907">
                   <a:moveTo>
                     <a:pt x="0" y="0"/>
                   </a:moveTo>
                   <a:lnTo>
-                    <a:pt x="1202019" y="546101"/>
+                    <a:pt x="154304" y="1329907"/>
                   </a:lnTo>
                 </a:path>
               </a:pathLst>
@@ -4578,27 +4624,27 @@
         </p:sp>
         <p:sp>
           <p:nvSpPr>
-            <p:cNvPr id="45" name="pl45"/>
+            <p:cNvPr id="46" name="pl46"/>
             <p:cNvSpPr/>
             <p:nvPr/>
           </p:nvSpPr>
           <p:spPr>
             <a:xfrm>
-              <a:off x="4668725" y="4903890"/>
-              <a:ext cx="63706" cy="58275"/>
+              <a:off x="4086097" y="4924518"/>
+              <a:ext cx="63581" cy="58751"/>
             </a:xfrm>
             <a:custGeom>
               <a:avLst/>
               <a:pathLst>
-                <a:path w="63706" h="58275">
+                <a:path w="63581" h="58751">
                   <a:moveTo>
-                    <a:pt x="0" y="58275"/>
+                    <a:pt x="0" y="7377"/>
                   </a:moveTo>
                   <a:lnTo>
-                    <a:pt x="63706" y="52066"/>
+                    <a:pt x="38179" y="58751"/>
                   </a:lnTo>
                   <a:lnTo>
-                    <a:pt x="26475" y="0"/>
+                    <a:pt x="63581" y="0"/>
                   </a:lnTo>
                 </a:path>
               </a:pathLst>
@@ -4621,24 +4667,24 @@
         </p:sp>
         <p:sp>
           <p:nvSpPr>
-            <p:cNvPr id="46" name="pl46"/>
+            <p:cNvPr id="47" name="pl47"/>
             <p:cNvSpPr/>
             <p:nvPr/>
           </p:nvSpPr>
           <p:spPr>
             <a:xfrm>
-              <a:off x="3530411" y="3333136"/>
-              <a:ext cx="886860" cy="1076718"/>
+              <a:off x="3289959" y="3621497"/>
+              <a:ext cx="680012" cy="31865"/>
             </a:xfrm>
             <a:custGeom>
               <a:avLst/>
               <a:pathLst>
-                <a:path w="886860" h="1076718">
+                <a:path w="680012" h="31865">
                   <a:moveTo>
-                    <a:pt x="0" y="1076718"/>
+                    <a:pt x="680012" y="31865"/>
                   </a:moveTo>
                   <a:lnTo>
-                    <a:pt x="886860" y="0"/>
+                    <a:pt x="0" y="0"/>
                   </a:lnTo>
                 </a:path>
               </a:pathLst>
@@ -4661,27 +4707,27 @@
         </p:sp>
         <p:sp>
           <p:nvSpPr>
-            <p:cNvPr id="47" name="pl47"/>
+            <p:cNvPr id="48" name="pl48"/>
             <p:cNvSpPr/>
             <p:nvPr/>
           </p:nvSpPr>
           <p:spPr>
             <a:xfrm>
-              <a:off x="4357326" y="3333136"/>
-              <a:ext cx="59945" cy="63134"/>
+              <a:off x="3289959" y="3592123"/>
+              <a:ext cx="56869" cy="63937"/>
             </a:xfrm>
             <a:custGeom>
               <a:avLst/>
               <a:pathLst>
-                <a:path w="59945" h="63134">
+                <a:path w="56869" h="63937">
                   <a:moveTo>
-                    <a:pt x="49406" y="63134"/>
+                    <a:pt x="56869" y="0"/>
                   </a:moveTo>
                   <a:lnTo>
-                    <a:pt x="59945" y="0"/>
+                    <a:pt x="0" y="29374"/>
                   </a:lnTo>
                   <a:lnTo>
-                    <a:pt x="0" y="22439"/>
+                    <a:pt x="53873" y="63937"/>
                   </a:lnTo>
                 </a:path>
               </a:pathLst>
@@ -4704,24 +4750,24 @@
         </p:sp>
         <p:sp>
           <p:nvSpPr>
-            <p:cNvPr id="48" name="pl48"/>
+            <p:cNvPr id="49" name="pl49"/>
             <p:cNvSpPr/>
             <p:nvPr/>
           </p:nvSpPr>
           <p:spPr>
             <a:xfrm>
-              <a:off x="3530411" y="3462423"/>
-              <a:ext cx="1206736" cy="947432"/>
+              <a:off x="2199629" y="3653362"/>
+              <a:ext cx="1770342" cy="131733"/>
             </a:xfrm>
             <a:custGeom>
               <a:avLst/>
               <a:pathLst>
-                <a:path w="1206736" h="947432">
+                <a:path w="1770342" h="131733">
                   <a:moveTo>
-                    <a:pt x="0" y="947432"/>
+                    <a:pt x="1770342" y="0"/>
                   </a:moveTo>
                   <a:lnTo>
-                    <a:pt x="1206736" y="0"/>
+                    <a:pt x="0" y="131733"/>
                   </a:lnTo>
                 </a:path>
               </a:pathLst>
@@ -4744,27 +4790,27 @@
         </p:sp>
         <p:sp>
           <p:nvSpPr>
-            <p:cNvPr id="49" name="pl49"/>
+            <p:cNvPr id="50" name="pl50"/>
             <p:cNvSpPr/>
             <p:nvPr/>
           </p:nvSpPr>
           <p:spPr>
             <a:xfrm>
-              <a:off x="4673784" y="3462423"/>
-              <a:ext cx="63363" cy="59403"/>
+              <a:off x="2199629" y="3749067"/>
+              <a:ext cx="57654" cy="63831"/>
             </a:xfrm>
             <a:custGeom>
               <a:avLst/>
               <a:pathLst>
-                <a:path w="63363" h="59403">
+                <a:path w="57654" h="63831">
                   <a:moveTo>
-                    <a:pt x="39527" y="59403"/>
+                    <a:pt x="52904" y="0"/>
                   </a:moveTo>
                   <a:lnTo>
-                    <a:pt x="63363" y="0"/>
+                    <a:pt x="0" y="36029"/>
                   </a:lnTo>
                   <a:lnTo>
-                    <a:pt x="0" y="9058"/>
+                    <a:pt x="57654" y="63831"/>
                   </a:lnTo>
                 </a:path>
               </a:pathLst>
@@ -4787,24 +4833,24 @@
         </p:sp>
         <p:sp>
           <p:nvSpPr>
-            <p:cNvPr id="50" name="pl50"/>
+            <p:cNvPr id="51" name="pl51"/>
             <p:cNvSpPr/>
             <p:nvPr/>
           </p:nvSpPr>
           <p:spPr>
             <a:xfrm>
-              <a:off x="3530411" y="4409855"/>
-              <a:ext cx="33702" cy="17091"/>
+              <a:off x="2215574" y="3653362"/>
+              <a:ext cx="1754397" cy="192889"/>
             </a:xfrm>
             <a:custGeom>
               <a:avLst/>
               <a:pathLst>
-                <a:path w="33702" h="17091">
+                <a:path w="1754397" h="192889">
                   <a:moveTo>
-                    <a:pt x="0" y="0"/>
+                    <a:pt x="1754397" y="0"/>
                   </a:moveTo>
                   <a:lnTo>
-                    <a:pt x="33702" y="17091"/>
+                    <a:pt x="0" y="192889"/>
                   </a:lnTo>
                 </a:path>
               </a:pathLst>
@@ -4827,27 +4873,27 @@
         </p:sp>
         <p:sp>
           <p:nvSpPr>
-            <p:cNvPr id="51" name="pl51"/>
+            <p:cNvPr id="52" name="pl52"/>
             <p:cNvSpPr/>
             <p:nvPr/>
           </p:nvSpPr>
           <p:spPr>
             <a:xfrm>
-              <a:off x="3500200" y="4373332"/>
-              <a:ext cx="63913" cy="57086"/>
+              <a:off x="2215574" y="3808382"/>
+              <a:ext cx="58598" cy="63624"/>
             </a:xfrm>
             <a:custGeom>
               <a:avLst/>
               <a:pathLst>
-                <a:path w="63913" h="57086">
+                <a:path w="58598" h="63624">
                   <a:moveTo>
-                    <a:pt x="0" y="57086"/>
+                    <a:pt x="51602" y="0"/>
                   </a:moveTo>
                   <a:lnTo>
-                    <a:pt x="63913" y="53615"/>
+                    <a:pt x="0" y="37870"/>
                   </a:lnTo>
                   <a:lnTo>
-                    <a:pt x="28950" y="0"/>
+                    <a:pt x="58598" y="63624"/>
                   </a:lnTo>
                 </a:path>
               </a:pathLst>
@@ -4870,24 +4916,24 @@
         </p:sp>
         <p:sp>
           <p:nvSpPr>
-            <p:cNvPr id="52" name="pl52"/>
+            <p:cNvPr id="53" name="pl53"/>
             <p:cNvSpPr/>
             <p:nvPr/>
           </p:nvSpPr>
           <p:spPr>
             <a:xfrm>
-              <a:off x="2099729" y="4409855"/>
-              <a:ext cx="1430682" cy="535169"/>
+              <a:off x="2784114" y="3653362"/>
+              <a:ext cx="1185857" cy="906"/>
             </a:xfrm>
             <a:custGeom>
               <a:avLst/>
               <a:pathLst>
-                <a:path w="1430682" h="535169">
+                <a:path w="1185857" h="906">
                   <a:moveTo>
-                    <a:pt x="1430682" y="0"/>
+                    <a:pt x="1185857" y="0"/>
                   </a:moveTo>
                   <a:lnTo>
-                    <a:pt x="0" y="535169"/>
+                    <a:pt x="0" y="906"/>
                   </a:lnTo>
                 </a:path>
               </a:pathLst>
@@ -4910,27 +4956,27 @@
         </p:sp>
         <p:sp>
           <p:nvSpPr>
-            <p:cNvPr id="53" name="pl53"/>
+            <p:cNvPr id="54" name="pl54"/>
             <p:cNvSpPr/>
             <p:nvPr/>
           </p:nvSpPr>
           <p:spPr>
             <a:xfrm>
-              <a:off x="2099729" y="4895628"/>
-              <a:ext cx="63131" cy="59950"/>
+              <a:off x="2784114" y="3622222"/>
+              <a:ext cx="55456" cy="64007"/>
             </a:xfrm>
             <a:custGeom>
               <a:avLst/>
               <a:pathLst>
-                <a:path w="63131" h="59950">
+                <a:path w="55456" h="64007">
                   <a:moveTo>
-                    <a:pt x="40706" y="0"/>
+                    <a:pt x="55408" y="0"/>
                   </a:moveTo>
                   <a:lnTo>
-                    <a:pt x="0" y="49396"/>
+                    <a:pt x="0" y="32046"/>
                   </a:lnTo>
                   <a:lnTo>
-                    <a:pt x="63131" y="59950"/>
+                    <a:pt x="55456" y="64007"/>
                   </a:lnTo>
                 </a:path>
               </a:pathLst>
@@ -4953,24 +4999,24 @@
         </p:sp>
         <p:sp>
           <p:nvSpPr>
-            <p:cNvPr id="54" name="pl54"/>
+            <p:cNvPr id="55" name="pl55"/>
             <p:cNvSpPr/>
             <p:nvPr/>
           </p:nvSpPr>
           <p:spPr>
             <a:xfrm>
-              <a:off x="3530411" y="4169715"/>
-              <a:ext cx="98699" cy="240139"/>
+              <a:off x="3969972" y="3069481"/>
+              <a:ext cx="1193375" cy="583881"/>
             </a:xfrm>
             <a:custGeom>
               <a:avLst/>
               <a:pathLst>
-                <a:path w="98699" h="240139">
+                <a:path w="1193375" h="583881">
                   <a:moveTo>
-                    <a:pt x="0" y="240139"/>
+                    <a:pt x="0" y="583881"/>
                   </a:moveTo>
                   <a:lnTo>
-                    <a:pt x="98699" y="0"/>
+                    <a:pt x="1193375" y="0"/>
                   </a:lnTo>
                 </a:path>
               </a:pathLst>
@@ -4993,27 +5039,27 @@
         </p:sp>
         <p:sp>
           <p:nvSpPr>
-            <p:cNvPr id="55" name="pl55"/>
+            <p:cNvPr id="56" name="pl56"/>
             <p:cNvSpPr/>
             <p:nvPr/>
           </p:nvSpPr>
           <p:spPr>
             <a:xfrm>
-              <a:off x="3578437" y="4169715"/>
-              <a:ext cx="59202" cy="63437"/>
+              <a:off x="5099489" y="3065095"/>
+              <a:ext cx="63857" cy="57495"/>
             </a:xfrm>
             <a:custGeom>
               <a:avLst/>
               <a:pathLst>
-                <a:path w="59202" h="63437">
+                <a:path w="63857" h="57495">
                   <a:moveTo>
-                    <a:pt x="59202" y="63437"/>
+                    <a:pt x="28130" y="57495"/>
                   </a:moveTo>
                   <a:lnTo>
-                    <a:pt x="50674" y="0"/>
+                    <a:pt x="63857" y="4385"/>
                   </a:lnTo>
                   <a:lnTo>
-                    <a:pt x="0" y="39104"/>
+                    <a:pt x="0" y="0"/>
                   </a:lnTo>
                 </a:path>
               </a:pathLst>
@@ -5036,13 +5082,96 @@
         </p:sp>
         <p:sp>
           <p:nvSpPr>
-            <p:cNvPr id="56" name="pl56"/>
+            <p:cNvPr id="57" name="pl57"/>
             <p:cNvSpPr/>
             <p:nvPr/>
           </p:nvSpPr>
           <p:spPr>
             <a:xfrm>
-              <a:off x="1525523" y="4409855"/>
+              <a:off x="3941377" y="3561283"/>
+              <a:ext cx="28595" cy="92079"/>
+            </a:xfrm>
+            <a:custGeom>
+              <a:avLst/>
+              <a:pathLst>
+                <a:path w="28595" h="92079">
+                  <a:moveTo>
+                    <a:pt x="28595" y="92079"/>
+                  </a:moveTo>
+                  <a:lnTo>
+                    <a:pt x="0" y="0"/>
+                  </a:lnTo>
+                </a:path>
+              </a:pathLst>
+            </a:custGeom>
+            <a:ln w="9525" cap="rnd">
+              <a:solidFill>
+                <a:srgbClr val="000000">
+                  <a:alpha val="100000"/>
+                </a:srgbClr>
+              </a:solidFill>
+              <a:prstDash val="solid"/>
+              <a:round/>
+            </a:ln>
+          </p:spPr>
+          <p:txBody>
+            <a:bodyPr/>
+            <a:lstStyle/>
+            <a:p/>
+          </p:txBody>
+        </p:sp>
+        <p:sp>
+          <p:nvSpPr>
+            <p:cNvPr id="58" name="pl58"/>
+            <p:cNvSpPr/>
+            <p:nvPr/>
+          </p:nvSpPr>
+          <p:spPr>
+            <a:xfrm>
+              <a:off x="3927252" y="3561283"/>
+              <a:ext cx="61128" cy="62430"/>
+            </a:xfrm>
+            <a:custGeom>
+              <a:avLst/>
+              <a:pathLst>
+                <a:path w="61128" h="62430">
+                  <a:moveTo>
+                    <a:pt x="61128" y="43447"/>
+                  </a:moveTo>
+                  <a:lnTo>
+                    <a:pt x="14124" y="0"/>
+                  </a:lnTo>
+                  <a:lnTo>
+                    <a:pt x="0" y="62430"/>
+                  </a:lnTo>
+                </a:path>
+              </a:pathLst>
+            </a:custGeom>
+            <a:ln w="9525" cap="rnd">
+              <a:solidFill>
+                <a:srgbClr val="000000">
+                  <a:alpha val="100000"/>
+                </a:srgbClr>
+              </a:solidFill>
+              <a:prstDash val="solid"/>
+              <a:round/>
+            </a:ln>
+          </p:spPr>
+          <p:txBody>
+            <a:bodyPr/>
+            <a:lstStyle/>
+            <a:p/>
+          </p:txBody>
+        </p:sp>
+        <p:sp>
+          <p:nvSpPr>
+            <p:cNvPr id="59" name="pl59"/>
+            <p:cNvSpPr/>
+            <p:nvPr/>
+          </p:nvSpPr>
+          <p:spPr>
+            <a:xfrm>
+              <a:off x="1525523" y="3653362"/>
               <a:ext cx="4142232" cy="0"/>
             </a:xfrm>
             <a:custGeom>
@@ -5079,13 +5208,13 @@
         </p:sp>
         <p:sp>
           <p:nvSpPr>
-            <p:cNvPr id="57" name="pl57"/>
+            <p:cNvPr id="60" name="pl60"/>
             <p:cNvSpPr/>
             <p:nvPr/>
           </p:nvSpPr>
           <p:spPr>
             <a:xfrm>
-              <a:off x="3530411" y="2512949"/>
+              <a:off x="3969972" y="2512949"/>
               <a:ext cx="0" cy="2809050"/>
             </a:xfrm>
             <a:custGeom>
